--- a/Lecture12/Lecture12.pptx
+++ b/Lecture12/Lecture12.pptx
@@ -16,8 +16,11 @@
     <p:sldId id="276" r:id="rId10"/>
     <p:sldId id="280" r:id="rId11"/>
     <p:sldId id="281" r:id="rId12"/>
-    <p:sldId id="272" r:id="rId13"/>
-    <p:sldId id="273" r:id="rId14"/>
+    <p:sldId id="282" r:id="rId13"/>
+    <p:sldId id="283" r:id="rId14"/>
+    <p:sldId id="284" r:id="rId15"/>
+    <p:sldId id="272" r:id="rId16"/>
+    <p:sldId id="273" r:id="rId17"/>
   </p:sldIdLst>
   <p:sldSz cx="9144000" cy="6858000" type="screen4x3"/>
   <p:notesSz cx="7772400" cy="10058400"/>
@@ -10131,6 +10134,729 @@
       </p:grpSpPr>
       <p:sp>
         <p:nvSpPr>
+          <p:cNvPr id="76" name="CustomShape 1"/>
+          <p:cNvSpPr/>
+          <p:nvPr/>
+        </p:nvSpPr>
+        <p:spPr>
+          <a:xfrm>
+            <a:off x="457200" y="274680"/>
+            <a:ext cx="8227800" cy="1141200"/>
+          </a:xfrm>
+          <a:prstGeom prst="rect">
+            <a:avLst/>
+          </a:prstGeom>
+          <a:noFill/>
+          <a:ln>
+            <a:noFill/>
+          </a:ln>
+        </p:spPr>
+        <p:txBody>
+          <a:bodyPr wrap="none" lIns="0" tIns="0" rIns="0" bIns="0" anchor="ctr"/>
+          <a:lstStyle/>
+          <a:p>
+            <a:pPr algn="ctr">
+              <a:lnSpc>
+                <a:spcPct val="100000"/>
+              </a:lnSpc>
+            </a:pPr>
+            <a:r>
+              <a:rPr lang="bg-BG" sz="4800" dirty="0" smtClean="0">
+                <a:solidFill>
+                  <a:srgbClr val="FFFFFF"/>
+                </a:solidFill>
+              </a:rPr>
+              <a:t>Обхождане в ширина</a:t>
+            </a:r>
+            <a:endParaRPr dirty="0"/>
+          </a:p>
+        </p:txBody>
+      </p:sp>
+      <p:sp>
+        <p:nvSpPr>
+          <p:cNvPr id="77" name="CustomShape 2"/>
+          <p:cNvSpPr/>
+          <p:nvPr/>
+        </p:nvSpPr>
+        <p:spPr>
+          <a:xfrm>
+            <a:off x="1979640" y="1529968"/>
+            <a:ext cx="7056856" cy="4851360"/>
+          </a:xfrm>
+          <a:prstGeom prst="rect">
+            <a:avLst/>
+          </a:prstGeom>
+          <a:noFill/>
+          <a:ln>
+            <a:noFill/>
+          </a:ln>
+        </p:spPr>
+        <p:txBody>
+          <a:bodyPr lIns="90000" tIns="45000" rIns="90000" bIns="45000"/>
+          <a:lstStyle/>
+          <a:p>
+            <a:pPr marL="571500" indent="-571500">
+              <a:lnSpc>
+                <a:spcPct val="100000"/>
+              </a:lnSpc>
+              <a:buClr>
+                <a:schemeClr val="bg1"/>
+              </a:buClr>
+              <a:buSzPct val="100000"/>
+              <a:buFont typeface="Arial" panose="020B0604020202020204" pitchFamily="34" charset="0"/>
+              <a:buChar char="•"/>
+            </a:pPr>
+            <a:r>
+              <a:rPr lang="en-US" sz="3200" dirty="0" smtClean="0">
+                <a:solidFill>
+                  <a:srgbClr val="FFFFFF"/>
+                </a:solidFill>
+                <a:latin typeface="Arial"/>
+              </a:rPr>
+              <a:t>Breadth First Search – BFS</a:t>
+            </a:r>
+          </a:p>
+          <a:p>
+            <a:pPr marL="571500" indent="-571500">
+              <a:lnSpc>
+                <a:spcPct val="100000"/>
+              </a:lnSpc>
+              <a:buClr>
+                <a:schemeClr val="bg1"/>
+              </a:buClr>
+              <a:buSzPct val="100000"/>
+              <a:buFont typeface="Arial" panose="020B0604020202020204" pitchFamily="34" charset="0"/>
+              <a:buChar char="•"/>
+            </a:pPr>
+            <a:r>
+              <a:rPr lang="bg-BG" sz="3200" dirty="0" smtClean="0">
+                <a:solidFill>
+                  <a:srgbClr val="FFFFFF"/>
+                </a:solidFill>
+                <a:latin typeface="Arial"/>
+              </a:rPr>
+              <a:t>Започваме от върха </a:t>
+            </a:r>
+            <a:r>
+              <a:rPr lang="en-US" sz="3200" dirty="0" err="1" smtClean="0">
+                <a:solidFill>
+                  <a:srgbClr val="FFFFFF"/>
+                </a:solidFill>
+                <a:latin typeface="Courier New" panose="02070309020205020404" pitchFamily="49" charset="0"/>
+                <a:cs typeface="Courier New" panose="02070309020205020404" pitchFamily="49" charset="0"/>
+              </a:rPr>
+              <a:t>i</a:t>
+            </a:r>
+            <a:r>
+              <a:rPr lang="bg-BG" sz="3200" dirty="0" smtClean="0">
+                <a:solidFill>
+                  <a:srgbClr val="FFFFFF"/>
+                </a:solidFill>
+                <a:latin typeface="Arial"/>
+              </a:rPr>
+              <a:t>, разглеждаме всички негови непосредствени съседи, и чак след това преминаваме към обхождане в ширина на всеки един от съседите на </a:t>
+            </a:r>
+            <a:r>
+              <a:rPr lang="en-US" sz="3200" dirty="0" err="1" smtClean="0">
+                <a:solidFill>
+                  <a:srgbClr val="FFFFFF"/>
+                </a:solidFill>
+                <a:latin typeface="Courier New" panose="02070309020205020404" pitchFamily="49" charset="0"/>
+                <a:cs typeface="Courier New" panose="02070309020205020404" pitchFamily="49" charset="0"/>
+              </a:rPr>
+              <a:t>i</a:t>
+            </a:r>
+            <a:r>
+              <a:rPr lang="bg-BG" sz="3200" dirty="0" smtClean="0">
+                <a:solidFill>
+                  <a:srgbClr val="FFFFFF"/>
+                </a:solidFill>
+                <a:latin typeface="Arial"/>
+              </a:rPr>
+              <a:t> (</a:t>
+            </a:r>
+            <a:r>
+              <a:rPr lang="bg-BG" sz="3200" i="1" dirty="0" smtClean="0">
+                <a:solidFill>
+                  <a:srgbClr val="FFFFFF"/>
+                </a:solidFill>
+                <a:latin typeface="Arial"/>
+              </a:rPr>
+              <a:t>рекурсия</a:t>
+            </a:r>
+            <a:r>
+              <a:rPr lang="bg-BG" sz="3200" dirty="0" smtClean="0">
+                <a:solidFill>
+                  <a:srgbClr val="FFFFFF"/>
+                </a:solidFill>
+                <a:latin typeface="Arial"/>
+              </a:rPr>
+              <a:t>)</a:t>
+            </a:r>
+          </a:p>
+          <a:p>
+            <a:pPr marL="571500" indent="-571500">
+              <a:lnSpc>
+                <a:spcPct val="100000"/>
+              </a:lnSpc>
+              <a:buClr>
+                <a:schemeClr val="bg1"/>
+              </a:buClr>
+              <a:buSzPct val="100000"/>
+              <a:buFont typeface="Arial" panose="020B0604020202020204" pitchFamily="34" charset="0"/>
+              <a:buChar char="•"/>
+            </a:pPr>
+            <a:r>
+              <a:rPr lang="bg-BG" sz="3200" dirty="0" smtClean="0">
+                <a:solidFill>
+                  <a:srgbClr val="FFFFFF"/>
+                </a:solidFill>
+                <a:latin typeface="Arial"/>
+              </a:rPr>
+              <a:t>обхождане „по нива“, метод на вълната</a:t>
+            </a:r>
+          </a:p>
+          <a:p>
+            <a:pPr marL="571500" indent="-571500">
+              <a:lnSpc>
+                <a:spcPct val="100000"/>
+              </a:lnSpc>
+              <a:buClr>
+                <a:schemeClr val="bg1"/>
+              </a:buClr>
+              <a:buSzPct val="100000"/>
+              <a:buFont typeface="Arial" panose="020B0604020202020204" pitchFamily="34" charset="0"/>
+              <a:buChar char="•"/>
+            </a:pPr>
+            <a:r>
+              <a:rPr lang="bg-BG" sz="3200" dirty="0" smtClean="0">
+                <a:solidFill>
+                  <a:srgbClr val="FFFFFF"/>
+                </a:solidFill>
+                <a:latin typeface="Arial"/>
+              </a:rPr>
+              <a:t>използва се опашка</a:t>
+            </a:r>
+            <a:endParaRPr lang="bg-BG" sz="3200" dirty="0" smtClean="0">
+              <a:solidFill>
+                <a:srgbClr val="FFFFFF"/>
+              </a:solidFill>
+              <a:latin typeface="Arial"/>
+            </a:endParaRPr>
+          </a:p>
+        </p:txBody>
+      </p:sp>
+    </p:spTree>
+    <p:extLst>
+      <p:ext uri="{BB962C8B-B14F-4D97-AF65-F5344CB8AC3E}">
+        <p14:creationId xmlns:p14="http://schemas.microsoft.com/office/powerpoint/2010/main" val="2860455832"/>
+      </p:ext>
+    </p:extLst>
+  </p:cSld>
+  <p:clrMapOvr>
+    <a:masterClrMapping/>
+  </p:clrMapOvr>
+  <p:timing>
+    <p:tnLst>
+      <p:par>
+        <p:cTn id="1" dur="indefinite" restart="never" nodeType="tmRoot">
+          <p:childTnLst>
+            <p:seq>
+              <p:cTn id="2" nodeType="mainSeq"/>
+              <p:prevCondLst>
+                <p:cond evt="onPrev" delay="0">
+                  <p:tgtEl>
+                    <p:sldTgt/>
+                  </p:tgtEl>
+                </p:cond>
+              </p:prevCondLst>
+              <p:nextCondLst>
+                <p:cond evt="onNext" delay="0">
+                  <p:tgtEl>
+                    <p:sldTgt/>
+                  </p:tgtEl>
+                </p:cond>
+              </p:nextCondLst>
+            </p:seq>
+          </p:childTnLst>
+        </p:cTn>
+      </p:par>
+    </p:tnLst>
+  </p:timing>
+</p:sld>
+</file>
+
+<file path=ppt/slides/slide11.xml><?xml version="1.0" encoding="utf-8"?>
+<p:sld xmlns:a="http://schemas.openxmlformats.org/drawingml/2006/main" xmlns:r="http://schemas.openxmlformats.org/officeDocument/2006/relationships" xmlns:p="http://schemas.openxmlformats.org/presentationml/2006/main">
+  <p:cSld>
+    <p:spTree>
+      <p:nvGrpSpPr>
+        <p:cNvPr id="1" name=""/>
+        <p:cNvGrpSpPr/>
+        <p:nvPr/>
+      </p:nvGrpSpPr>
+      <p:grpSpPr>
+        <a:xfrm>
+          <a:off x="0" y="0"/>
+          <a:ext cx="0" cy="0"/>
+          <a:chOff x="0" y="0"/>
+          <a:chExt cx="0" cy="0"/>
+        </a:xfrm>
+      </p:grpSpPr>
+      <p:sp>
+        <p:nvSpPr>
+          <p:cNvPr id="76" name="CustomShape 1"/>
+          <p:cNvSpPr/>
+          <p:nvPr/>
+        </p:nvSpPr>
+        <p:spPr>
+          <a:xfrm>
+            <a:off x="457200" y="188640"/>
+            <a:ext cx="8227800" cy="1141200"/>
+          </a:xfrm>
+          <a:prstGeom prst="rect">
+            <a:avLst/>
+          </a:prstGeom>
+          <a:noFill/>
+          <a:ln>
+            <a:noFill/>
+          </a:ln>
+        </p:spPr>
+        <p:txBody>
+          <a:bodyPr wrap="none" lIns="0" tIns="0" rIns="0" bIns="0" anchor="ctr"/>
+          <a:lstStyle/>
+          <a:p>
+            <a:pPr algn="ctr">
+              <a:lnSpc>
+                <a:spcPct val="100000"/>
+              </a:lnSpc>
+            </a:pPr>
+            <a:r>
+              <a:rPr lang="bg-BG" sz="4800" dirty="0" smtClean="0">
+                <a:solidFill>
+                  <a:srgbClr val="FFFFFF"/>
+                </a:solidFill>
+              </a:rPr>
+              <a:t>Обхождане в дълбочина</a:t>
+            </a:r>
+            <a:endParaRPr dirty="0"/>
+          </a:p>
+        </p:txBody>
+      </p:sp>
+      <p:sp>
+        <p:nvSpPr>
+          <p:cNvPr id="77" name="CustomShape 2"/>
+          <p:cNvSpPr/>
+          <p:nvPr/>
+        </p:nvSpPr>
+        <p:spPr>
+          <a:xfrm>
+            <a:off x="1619672" y="1529968"/>
+            <a:ext cx="7272808" cy="4851360"/>
+          </a:xfrm>
+          <a:prstGeom prst="rect">
+            <a:avLst/>
+          </a:prstGeom>
+          <a:noFill/>
+          <a:ln>
+            <a:noFill/>
+          </a:ln>
+        </p:spPr>
+        <p:txBody>
+          <a:bodyPr lIns="90000" tIns="45000" rIns="90000" bIns="45000"/>
+          <a:lstStyle/>
+          <a:p>
+            <a:pPr marL="571500" indent="-571500">
+              <a:lnSpc>
+                <a:spcPct val="100000"/>
+              </a:lnSpc>
+              <a:buClr>
+                <a:schemeClr val="bg1"/>
+              </a:buClr>
+              <a:buSzPct val="100000"/>
+              <a:buFont typeface="Arial" panose="020B0604020202020204" pitchFamily="34" charset="0"/>
+              <a:buChar char="•"/>
+            </a:pPr>
+            <a:r>
+              <a:rPr lang="en-US" sz="3200" dirty="0" smtClean="0">
+                <a:solidFill>
+                  <a:srgbClr val="FFFFFF"/>
+                </a:solidFill>
+                <a:latin typeface="Arial"/>
+              </a:rPr>
+              <a:t>Depth First Search – DFS</a:t>
+            </a:r>
+          </a:p>
+          <a:p>
+            <a:pPr marL="571500" indent="-571500">
+              <a:lnSpc>
+                <a:spcPct val="100000"/>
+              </a:lnSpc>
+              <a:buClr>
+                <a:schemeClr val="bg1"/>
+              </a:buClr>
+              <a:buSzPct val="100000"/>
+              <a:buFont typeface="Arial" panose="020B0604020202020204" pitchFamily="34" charset="0"/>
+              <a:buChar char="•"/>
+            </a:pPr>
+            <a:r>
+              <a:rPr lang="bg-BG" sz="3200" dirty="0" smtClean="0">
+                <a:solidFill>
+                  <a:srgbClr val="FFFFFF"/>
+                </a:solidFill>
+                <a:latin typeface="Arial"/>
+              </a:rPr>
+              <a:t>Започваме от върха </a:t>
+            </a:r>
+            <a:r>
+              <a:rPr lang="en-US" sz="3200" dirty="0" err="1" smtClean="0">
+                <a:solidFill>
+                  <a:srgbClr val="FFFFFF"/>
+                </a:solidFill>
+                <a:latin typeface="Courier New" panose="02070309020205020404" pitchFamily="49" charset="0"/>
+                <a:cs typeface="Courier New" panose="02070309020205020404" pitchFamily="49" charset="0"/>
+              </a:rPr>
+              <a:t>i</a:t>
+            </a:r>
+            <a:r>
+              <a:rPr lang="bg-BG" sz="3200" dirty="0" smtClean="0">
+                <a:solidFill>
+                  <a:srgbClr val="FFFFFF"/>
+                </a:solidFill>
+                <a:latin typeface="Arial"/>
+              </a:rPr>
+              <a:t>, разглеждаме даден негов съсед, след това даден съсед на текущия връх и т. н. – стремим се да „се спуснем“ колкото се може „по-надълбоко“ (</a:t>
+            </a:r>
+            <a:r>
+              <a:rPr lang="bg-BG" sz="3200" i="1" dirty="0" smtClean="0">
+                <a:solidFill>
+                  <a:srgbClr val="FFFFFF"/>
+                </a:solidFill>
+                <a:latin typeface="Arial"/>
+              </a:rPr>
+              <a:t>рекурсия</a:t>
+            </a:r>
+            <a:r>
+              <a:rPr lang="bg-BG" sz="3200" dirty="0" smtClean="0">
+                <a:solidFill>
+                  <a:srgbClr val="FFFFFF"/>
+                </a:solidFill>
+                <a:latin typeface="Arial"/>
+              </a:rPr>
+              <a:t>)</a:t>
+            </a:r>
+          </a:p>
+          <a:p>
+            <a:pPr marL="571500" indent="-571500">
+              <a:lnSpc>
+                <a:spcPct val="100000"/>
+              </a:lnSpc>
+              <a:buClr>
+                <a:schemeClr val="bg1"/>
+              </a:buClr>
+              <a:buSzPct val="100000"/>
+              <a:buFont typeface="Arial" panose="020B0604020202020204" pitchFamily="34" charset="0"/>
+              <a:buChar char="•"/>
+            </a:pPr>
+            <a:r>
+              <a:rPr lang="bg-BG" sz="3200" dirty="0" smtClean="0">
+                <a:solidFill>
+                  <a:srgbClr val="FFFFFF"/>
+                </a:solidFill>
+                <a:latin typeface="Arial"/>
+              </a:rPr>
+              <a:t>прилага се </a:t>
+            </a:r>
+            <a:r>
+              <a:rPr lang="bg-BG" sz="3200" b="1" dirty="0" smtClean="0">
+                <a:solidFill>
+                  <a:srgbClr val="FFFFFF"/>
+                </a:solidFill>
+                <a:latin typeface="Arial"/>
+              </a:rPr>
+              <a:t>търсене с връщане назад</a:t>
+            </a:r>
+            <a:r>
+              <a:rPr lang="bg-BG" sz="3200" dirty="0" smtClean="0">
+                <a:solidFill>
+                  <a:srgbClr val="FFFFFF"/>
+                </a:solidFill>
+                <a:latin typeface="Arial"/>
+              </a:rPr>
+              <a:t> – </a:t>
+            </a:r>
+            <a:r>
+              <a:rPr lang="en-US" sz="3200" b="1" i="1" dirty="0" smtClean="0">
+                <a:solidFill>
+                  <a:srgbClr val="FFFFFF"/>
+                </a:solidFill>
+                <a:latin typeface="Arial"/>
+              </a:rPr>
+              <a:t>backtracking</a:t>
+            </a:r>
+          </a:p>
+          <a:p>
+            <a:pPr marL="571500" indent="-571500">
+              <a:lnSpc>
+                <a:spcPct val="100000"/>
+              </a:lnSpc>
+              <a:buClr>
+                <a:schemeClr val="bg1"/>
+              </a:buClr>
+              <a:buSzPct val="100000"/>
+              <a:buFont typeface="Arial" panose="020B0604020202020204" pitchFamily="34" charset="0"/>
+              <a:buChar char="•"/>
+            </a:pPr>
+            <a:r>
+              <a:rPr lang="bg-BG" sz="3200" dirty="0" smtClean="0">
+                <a:solidFill>
+                  <a:srgbClr val="FFFFFF"/>
+                </a:solidFill>
+                <a:latin typeface="Arial"/>
+              </a:rPr>
+              <a:t>използва се стек</a:t>
+            </a:r>
+            <a:endParaRPr lang="bg-BG" sz="3200" dirty="0" smtClean="0">
+              <a:solidFill>
+                <a:srgbClr val="FFFFFF"/>
+              </a:solidFill>
+              <a:latin typeface="Arial"/>
+            </a:endParaRPr>
+          </a:p>
+        </p:txBody>
+      </p:sp>
+    </p:spTree>
+    <p:extLst>
+      <p:ext uri="{BB962C8B-B14F-4D97-AF65-F5344CB8AC3E}">
+        <p14:creationId xmlns:p14="http://schemas.microsoft.com/office/powerpoint/2010/main" val="400881006"/>
+      </p:ext>
+    </p:extLst>
+  </p:cSld>
+  <p:clrMapOvr>
+    <a:masterClrMapping/>
+  </p:clrMapOvr>
+  <p:timing>
+    <p:tnLst>
+      <p:par>
+        <p:cTn id="1" dur="indefinite" restart="never" nodeType="tmRoot">
+          <p:childTnLst>
+            <p:seq>
+              <p:cTn id="2" nodeType="mainSeq"/>
+              <p:prevCondLst>
+                <p:cond evt="onPrev" delay="0">
+                  <p:tgtEl>
+                    <p:sldTgt/>
+                  </p:tgtEl>
+                </p:cond>
+              </p:prevCondLst>
+              <p:nextCondLst>
+                <p:cond evt="onNext" delay="0">
+                  <p:tgtEl>
+                    <p:sldTgt/>
+                  </p:tgtEl>
+                </p:cond>
+              </p:nextCondLst>
+            </p:seq>
+          </p:childTnLst>
+        </p:cTn>
+      </p:par>
+    </p:tnLst>
+  </p:timing>
+</p:sld>
+</file>
+
+<file path=ppt/slides/slide12.xml><?xml version="1.0" encoding="utf-8"?>
+<p:sld xmlns:a="http://schemas.openxmlformats.org/drawingml/2006/main" xmlns:r="http://schemas.openxmlformats.org/officeDocument/2006/relationships" xmlns:p="http://schemas.openxmlformats.org/presentationml/2006/main">
+  <p:cSld>
+    <p:spTree>
+      <p:nvGrpSpPr>
+        <p:cNvPr id="1" name=""/>
+        <p:cNvGrpSpPr/>
+        <p:nvPr/>
+      </p:nvGrpSpPr>
+      <p:grpSpPr>
+        <a:xfrm>
+          <a:off x="0" y="0"/>
+          <a:ext cx="0" cy="0"/>
+          <a:chOff x="0" y="0"/>
+          <a:chExt cx="0" cy="0"/>
+        </a:xfrm>
+      </p:grpSpPr>
+      <p:sp>
+        <p:nvSpPr>
+          <p:cNvPr id="106498" name="Rectangle 2"/>
+          <p:cNvSpPr>
+            <a:spLocks noGrp="1" noChangeArrowheads="1"/>
+          </p:cNvSpPr>
+          <p:nvPr>
+            <p:ph type="title"/>
+          </p:nvPr>
+        </p:nvSpPr>
+        <p:spPr>
+          <a:xfrm>
+            <a:off x="395288" y="188913"/>
+            <a:ext cx="8229600" cy="981075"/>
+          </a:xfrm>
+        </p:spPr>
+        <p:txBody>
+          <a:bodyPr/>
+          <a:lstStyle/>
+          <a:p>
+            <a:r>
+              <a:rPr lang="bg-BG" altLang="bg-BG" smtClean="0">
+                <a:solidFill>
+                  <a:schemeClr val="bg1"/>
+                </a:solidFill>
+              </a:rPr>
+              <a:t>Въпроси?</a:t>
+            </a:r>
+            <a:endParaRPr lang="bg-BG" altLang="bg-BG" dirty="0">
+              <a:solidFill>
+                <a:schemeClr val="bg1"/>
+              </a:solidFill>
+            </a:endParaRPr>
+          </a:p>
+        </p:txBody>
+      </p:sp>
+      <p:sp>
+        <p:nvSpPr>
+          <p:cNvPr id="2" name="Правоъгълник 1"/>
+          <p:cNvSpPr/>
+          <p:nvPr/>
+        </p:nvSpPr>
+        <p:spPr>
+          <a:xfrm>
+            <a:off x="3558639" y="1700808"/>
+            <a:ext cx="2432077" cy="4508927"/>
+          </a:xfrm>
+          <a:prstGeom prst="rect">
+            <a:avLst/>
+          </a:prstGeom>
+          <a:noFill/>
+        </p:spPr>
+        <p:txBody>
+          <a:bodyPr wrap="none" lIns="91440" tIns="45720" rIns="91440" bIns="45720">
+            <a:spAutoFit/>
+          </a:bodyPr>
+          <a:lstStyle/>
+          <a:p>
+            <a:pPr algn="ctr" fontAlgn="base">
+              <a:spcBef>
+                <a:spcPct val="0"/>
+              </a:spcBef>
+              <a:spcAft>
+                <a:spcPct val="0"/>
+              </a:spcAft>
+            </a:pPr>
+            <a:r>
+              <a:rPr lang="bg-BG" sz="28700" b="1" dirty="0" smtClean="0">
+                <a:ln w="900" cmpd="sng">
+                  <a:solidFill>
+                    <a:srgbClr val="BBE0E3">
+                      <a:satMod val="190000"/>
+                      <a:alpha val="55000"/>
+                    </a:srgbClr>
+                  </a:solidFill>
+                  <a:prstDash val="solid"/>
+                </a:ln>
+                <a:solidFill>
+                  <a:srgbClr val="BBE0E3">
+                    <a:satMod val="200000"/>
+                    <a:tint val="3000"/>
+                  </a:srgbClr>
+                </a:solidFill>
+                <a:effectLst>
+                  <a:innerShdw blurRad="101600" dist="76200" dir="5400000">
+                    <a:srgbClr val="BBE0E3">
+                      <a:satMod val="190000"/>
+                      <a:tint val="100000"/>
+                      <a:alpha val="74000"/>
+                    </a:srgbClr>
+                  </a:innerShdw>
+                </a:effectLst>
+              </a:rPr>
+              <a:t>?</a:t>
+            </a:r>
+            <a:endParaRPr lang="bg-BG" sz="6000" b="1" dirty="0">
+              <a:ln w="900" cmpd="sng">
+                <a:solidFill>
+                  <a:srgbClr val="BBE0E3">
+                    <a:satMod val="190000"/>
+                    <a:alpha val="55000"/>
+                  </a:srgbClr>
+                </a:solidFill>
+                <a:prstDash val="solid"/>
+              </a:ln>
+              <a:solidFill>
+                <a:srgbClr val="BBE0E3">
+                  <a:satMod val="200000"/>
+                  <a:tint val="3000"/>
+                </a:srgbClr>
+              </a:solidFill>
+              <a:effectLst>
+                <a:innerShdw blurRad="101600" dist="76200" dir="5400000">
+                  <a:srgbClr val="BBE0E3">
+                    <a:satMod val="190000"/>
+                    <a:tint val="100000"/>
+                    <a:alpha val="74000"/>
+                  </a:srgbClr>
+                </a:innerShdw>
+              </a:effectLst>
+            </a:endParaRPr>
+          </a:p>
+        </p:txBody>
+      </p:sp>
+    </p:spTree>
+    <p:extLst>
+      <p:ext uri="{BB962C8B-B14F-4D97-AF65-F5344CB8AC3E}">
+        <p14:creationId xmlns:p14="http://schemas.microsoft.com/office/powerpoint/2010/main" val="3193872577"/>
+      </p:ext>
+    </p:extLst>
+  </p:cSld>
+  <p:clrMapOvr>
+    <a:masterClrMapping/>
+  </p:clrMapOvr>
+  <mc:AlternateContent xmlns:mc="http://schemas.openxmlformats.org/markup-compatibility/2006" xmlns:p14="http://schemas.microsoft.com/office/powerpoint/2010/main">
+    <mc:Choice Requires="p14">
+      <p:transition spd="slow" p14:dur="1500">
+        <p:split orient="vert"/>
+      </p:transition>
+    </mc:Choice>
+    <mc:Fallback xmlns="">
+      <p:transition spd="slow">
+        <p:split orient="vert"/>
+      </p:transition>
+    </mc:Fallback>
+  </mc:AlternateContent>
+  <p:timing>
+    <p:tnLst>
+      <p:par>
+        <p:cTn id="1" dur="indefinite" restart="never" nodeType="tmRoot"/>
+      </p:par>
+    </p:tnLst>
+  </p:timing>
+</p:sld>
+</file>
+
+<file path=ppt/slides/slide13.xml><?xml version="1.0" encoding="utf-8"?>
+<p:sld xmlns:a="http://schemas.openxmlformats.org/drawingml/2006/main" xmlns:r="http://schemas.openxmlformats.org/officeDocument/2006/relationships" xmlns:p="http://schemas.openxmlformats.org/presentationml/2006/main">
+  <p:cSld>
+    <p:spTree>
+      <p:nvGrpSpPr>
+        <p:cNvPr id="1" name=""/>
+        <p:cNvGrpSpPr/>
+        <p:nvPr/>
+      </p:nvGrpSpPr>
+      <p:grpSpPr>
+        <a:xfrm>
+          <a:off x="0" y="0"/>
+          <a:ext cx="0" cy="0"/>
+          <a:chOff x="0" y="0"/>
+          <a:chExt cx="0" cy="0"/>
+        </a:xfrm>
+      </p:grpSpPr>
+      <p:sp>
+        <p:nvSpPr>
           <p:cNvPr id="2" name="Правоъгълник 1"/>
           <p:cNvSpPr/>
           <p:nvPr/>
@@ -12163,124 +12889,244 @@
       </p:grpSpPr>
       <p:sp>
         <p:nvSpPr>
-          <p:cNvPr id="106498" name="Rectangle 2"/>
-          <p:cNvSpPr>
-            <a:spLocks noGrp="1" noChangeArrowheads="1"/>
-          </p:cNvSpPr>
-          <p:nvPr>
-            <p:ph type="title"/>
-          </p:nvPr>
+          <p:cNvPr id="76" name="CustomShape 1"/>
+          <p:cNvSpPr/>
+          <p:nvPr/>
         </p:nvSpPr>
         <p:spPr>
           <a:xfrm>
-            <a:off x="395288" y="188913"/>
-            <a:ext cx="8229600" cy="981075"/>
-          </a:xfrm>
-        </p:spPr>
-        <p:txBody>
-          <a:bodyPr/>
-          <a:lstStyle/>
-          <a:p>
-            <a:r>
-              <a:rPr lang="bg-BG" altLang="bg-BG" smtClean="0">
-                <a:solidFill>
-                  <a:schemeClr val="bg1"/>
-                </a:solidFill>
-              </a:rPr>
-              <a:t>Въпроси?</a:t>
-            </a:r>
-            <a:endParaRPr lang="bg-BG" altLang="bg-BG" dirty="0">
-              <a:solidFill>
-                <a:schemeClr val="bg1"/>
-              </a:solidFill>
-            </a:endParaRPr>
-          </a:p>
-        </p:txBody>
-      </p:sp>
-      <p:sp>
-        <p:nvSpPr>
-          <p:cNvPr id="2" name="Правоъгълник 1"/>
-          <p:cNvSpPr/>
-          <p:nvPr/>
-        </p:nvSpPr>
-        <p:spPr>
-          <a:xfrm>
-            <a:off x="3558639" y="1700808"/>
-            <a:ext cx="2432077" cy="4508927"/>
+            <a:off x="457200" y="274680"/>
+            <a:ext cx="8227800" cy="1141200"/>
           </a:xfrm>
           <a:prstGeom prst="rect">
             <a:avLst/>
           </a:prstGeom>
           <a:noFill/>
+          <a:ln>
+            <a:noFill/>
+          </a:ln>
         </p:spPr>
         <p:txBody>
-          <a:bodyPr wrap="none" lIns="91440" tIns="45720" rIns="91440" bIns="45720">
-            <a:spAutoFit/>
-          </a:bodyPr>
+          <a:bodyPr wrap="none" lIns="0" tIns="0" rIns="0" bIns="0" anchor="ctr"/>
           <a:lstStyle/>
           <a:p>
-            <a:pPr algn="ctr" fontAlgn="base">
-              <a:spcBef>
-                <a:spcPct val="0"/>
-              </a:spcBef>
-              <a:spcAft>
-                <a:spcPct val="0"/>
-              </a:spcAft>
+            <a:pPr algn="ctr">
+              <a:lnSpc>
+                <a:spcPct val="100000"/>
+              </a:lnSpc>
             </a:pPr>
             <a:r>
-              <a:rPr lang="bg-BG" sz="28700" b="1" dirty="0" smtClean="0">
-                <a:ln w="900" cmpd="sng">
-                  <a:solidFill>
-                    <a:srgbClr val="BBE0E3">
-                      <a:satMod val="190000"/>
-                      <a:alpha val="55000"/>
-                    </a:srgbClr>
-                  </a:solidFill>
-                  <a:prstDash val="solid"/>
-                </a:ln>
-                <a:solidFill>
-                  <a:srgbClr val="BBE0E3">
-                    <a:satMod val="200000"/>
-                    <a:tint val="3000"/>
-                  </a:srgbClr>
-                </a:solidFill>
-                <a:effectLst>
-                  <a:innerShdw blurRad="101600" dist="76200" dir="5400000">
-                    <a:srgbClr val="BBE0E3">
-                      <a:satMod val="190000"/>
-                      <a:tint val="100000"/>
-                      <a:alpha val="74000"/>
-                    </a:srgbClr>
-                  </a:innerShdw>
-                </a:effectLst>
+              <a:rPr lang="bg-BG" sz="4800" dirty="0" smtClean="0">
+                <a:solidFill>
+                  <a:srgbClr val="FFFFFF"/>
+                </a:solidFill>
               </a:rPr>
-              <a:t>?</a:t>
-            </a:r>
-            <a:endParaRPr lang="bg-BG" sz="6000" b="1" dirty="0">
-              <a:ln w="900" cmpd="sng">
-                <a:solidFill>
-                  <a:srgbClr val="BBE0E3">
-                    <a:satMod val="190000"/>
-                    <a:alpha val="55000"/>
-                  </a:srgbClr>
-                </a:solidFill>
-                <a:prstDash val="solid"/>
-              </a:ln>
+              <a:t>Обхождане на граф</a:t>
+            </a:r>
+            <a:endParaRPr dirty="0"/>
+          </a:p>
+        </p:txBody>
+      </p:sp>
+      <p:sp>
+        <p:nvSpPr>
+          <p:cNvPr id="77" name="CustomShape 2"/>
+          <p:cNvSpPr/>
+          <p:nvPr/>
+        </p:nvSpPr>
+        <p:spPr>
+          <a:xfrm>
+            <a:off x="1979640" y="1529968"/>
+            <a:ext cx="6912840" cy="4851360"/>
+          </a:xfrm>
+          <a:prstGeom prst="rect">
+            <a:avLst/>
+          </a:prstGeom>
+          <a:noFill/>
+          <a:ln>
+            <a:noFill/>
+          </a:ln>
+        </p:spPr>
+        <p:txBody>
+          <a:bodyPr lIns="90000" tIns="45000" rIns="90000" bIns="45000"/>
+          <a:lstStyle/>
+          <a:p>
+            <a:pPr marL="571500" indent="-571500">
+              <a:lnSpc>
+                <a:spcPct val="100000"/>
+              </a:lnSpc>
+              <a:buClr>
+                <a:schemeClr val="bg1"/>
+              </a:buClr>
+              <a:buSzPct val="100000"/>
+              <a:buFont typeface="Arial" panose="020B0604020202020204" pitchFamily="34" charset="0"/>
+              <a:buChar char="•"/>
+            </a:pPr>
+            <a:r>
+              <a:rPr lang="bg-BG" sz="3200" i="1" dirty="0" smtClean="0">
+                <a:solidFill>
+                  <a:srgbClr val="FFFFFF"/>
+                </a:solidFill>
+                <a:latin typeface="Arial"/>
+              </a:rPr>
+              <a:t>обхождане на граф</a:t>
+            </a:r>
+            <a:r>
+              <a:rPr lang="bg-BG" sz="3200" dirty="0" smtClean="0">
+                <a:solidFill>
+                  <a:srgbClr val="FFFFFF"/>
+                </a:solidFill>
+                <a:latin typeface="Arial"/>
+              </a:rPr>
+              <a:t> означава последователно обхождане (и обработване) на всеки един връх от графа точно по веднъж</a:t>
+            </a:r>
+          </a:p>
+          <a:p>
+            <a:pPr marL="571500" indent="-571500">
+              <a:lnSpc>
+                <a:spcPct val="100000"/>
+              </a:lnSpc>
+              <a:buClr>
+                <a:schemeClr val="bg1"/>
+              </a:buClr>
+              <a:buSzPct val="100000"/>
+              <a:buFont typeface="Arial" panose="020B0604020202020204" pitchFamily="34" charset="0"/>
+              <a:buChar char="•"/>
+            </a:pPr>
+            <a:r>
+              <a:rPr lang="bg-BG" sz="3200" i="1" dirty="0" smtClean="0">
+                <a:solidFill>
+                  <a:srgbClr val="FFFFFF"/>
+                </a:solidFill>
+                <a:latin typeface="Arial"/>
+              </a:rPr>
+              <a:t>стратегия на обхождане</a:t>
+            </a:r>
+            <a:r>
+              <a:rPr lang="bg-BG" sz="3200" dirty="0" smtClean="0">
+                <a:solidFill>
+                  <a:srgbClr val="FFFFFF"/>
+                </a:solidFill>
+                <a:latin typeface="Arial"/>
+              </a:rPr>
+              <a:t> означава реда, в който се разглеждат върховете</a:t>
+            </a:r>
+          </a:p>
+          <a:p>
+            <a:pPr marL="571500" indent="-571500">
+              <a:lnSpc>
+                <a:spcPct val="100000"/>
+              </a:lnSpc>
+              <a:buClr>
+                <a:schemeClr val="bg1"/>
+              </a:buClr>
+              <a:buSzPct val="100000"/>
+              <a:buFont typeface="Arial" panose="020B0604020202020204" pitchFamily="34" charset="0"/>
+              <a:buChar char="•"/>
+            </a:pPr>
+            <a:r>
+              <a:rPr lang="bg-BG" sz="3200" dirty="0" smtClean="0">
+                <a:solidFill>
+                  <a:srgbClr val="FFFFFF"/>
+                </a:solidFill>
+                <a:latin typeface="Arial"/>
+              </a:rPr>
+              <a:t>видове </a:t>
+            </a:r>
+            <a:r>
+              <a:rPr lang="bg-BG" sz="3200" b="1" dirty="0" smtClean="0">
+                <a:solidFill>
+                  <a:srgbClr val="FFFFFF"/>
+                </a:solidFill>
+                <a:latin typeface="Arial"/>
+              </a:rPr>
+              <a:t>стратегии</a:t>
+            </a:r>
+          </a:p>
+          <a:p>
+            <a:pPr marL="1028700" lvl="1" indent="-571500">
+              <a:buClr>
+                <a:schemeClr val="bg1"/>
+              </a:buClr>
+              <a:buSzPct val="100000"/>
+              <a:buFont typeface="Arial" panose="020B0604020202020204" pitchFamily="34" charset="0"/>
+              <a:buChar char="•"/>
+            </a:pPr>
+            <a:r>
+              <a:rPr lang="bg-BG" sz="3000" dirty="0" smtClean="0">
+                <a:solidFill>
+                  <a:srgbClr val="FFFFFF"/>
+                </a:solidFill>
+                <a:latin typeface="Arial"/>
+              </a:rPr>
+              <a:t>обхождане в ширина - </a:t>
+            </a:r>
+            <a:r>
+              <a:rPr lang="en-US" sz="3000" dirty="0" smtClean="0">
+                <a:solidFill>
+                  <a:srgbClr val="FFFFFF"/>
+                </a:solidFill>
+                <a:latin typeface="Arial"/>
+              </a:rPr>
+              <a:t>BFS</a:t>
+            </a:r>
+            <a:endParaRPr lang="bg-BG" sz="3000" dirty="0" smtClean="0">
               <a:solidFill>
-                <a:srgbClr val="BBE0E3">
-                  <a:satMod val="200000"/>
-                  <a:tint val="3000"/>
-                </a:srgbClr>
+                <a:srgbClr val="FFFFFF"/>
               </a:solidFill>
-              <a:effectLst>
-                <a:innerShdw blurRad="101600" dist="76200" dir="5400000">
-                  <a:srgbClr val="BBE0E3">
-                    <a:satMod val="190000"/>
-                    <a:tint val="100000"/>
-                    <a:alpha val="74000"/>
-                  </a:srgbClr>
-                </a:innerShdw>
-              </a:effectLst>
+              <a:latin typeface="Arial"/>
+            </a:endParaRPr>
+          </a:p>
+          <a:p>
+            <a:pPr marL="1028700" lvl="1" indent="-571500">
+              <a:buClr>
+                <a:schemeClr val="bg1"/>
+              </a:buClr>
+              <a:buSzPct val="100000"/>
+              <a:buFont typeface="Arial" panose="020B0604020202020204" pitchFamily="34" charset="0"/>
+              <a:buChar char="•"/>
+            </a:pPr>
+            <a:r>
+              <a:rPr lang="bg-BG" sz="3000" dirty="0" smtClean="0">
+                <a:solidFill>
+                  <a:srgbClr val="FFFFFF"/>
+                </a:solidFill>
+                <a:latin typeface="Arial"/>
+              </a:rPr>
+              <a:t>обхождане в дълбочина - </a:t>
+            </a:r>
+            <a:r>
+              <a:rPr lang="en-US" sz="3000" dirty="0" smtClean="0">
+                <a:solidFill>
+                  <a:srgbClr val="FFFFFF"/>
+                </a:solidFill>
+                <a:latin typeface="Arial"/>
+              </a:rPr>
+              <a:t>DFS</a:t>
+            </a:r>
+            <a:endParaRPr lang="en-US" sz="3000" dirty="0" smtClean="0">
+              <a:solidFill>
+                <a:srgbClr val="FFFFFF"/>
+              </a:solidFill>
+              <a:latin typeface="Arial"/>
+            </a:endParaRPr>
+          </a:p>
+          <a:p>
+            <a:pPr marL="571500" indent="-571500">
+              <a:lnSpc>
+                <a:spcPct val="100000"/>
+              </a:lnSpc>
+              <a:buClr>
+                <a:schemeClr val="bg1"/>
+              </a:buClr>
+              <a:buSzPct val="100000"/>
+              <a:buFont typeface="Arial" panose="020B0604020202020204" pitchFamily="34" charset="0"/>
+              <a:buChar char="•"/>
+            </a:pPr>
+            <a:endParaRPr lang="bg-BG" sz="3200" dirty="0" smtClean="0">
+              <a:solidFill>
+                <a:srgbClr val="FFFFFF"/>
+              </a:solidFill>
+              <a:latin typeface="Arial"/>
             </a:endParaRPr>
           </a:p>
         </p:txBody>
@@ -12288,29 +13134,37 @@
     </p:spTree>
     <p:extLst>
       <p:ext uri="{BB962C8B-B14F-4D97-AF65-F5344CB8AC3E}">
-        <p14:creationId xmlns:p14="http://schemas.microsoft.com/office/powerpoint/2010/main" val="3193872577"/>
+        <p14:creationId xmlns:p14="http://schemas.microsoft.com/office/powerpoint/2010/main" val="1133482453"/>
       </p:ext>
     </p:extLst>
   </p:cSld>
   <p:clrMapOvr>
     <a:masterClrMapping/>
   </p:clrMapOvr>
-  <mc:AlternateContent xmlns:mc="http://schemas.openxmlformats.org/markup-compatibility/2006" xmlns:p14="http://schemas.microsoft.com/office/powerpoint/2010/main">
-    <mc:Choice Requires="p14">
-      <p:transition spd="slow" p14:dur="1500">
-        <p:split orient="vert"/>
-      </p:transition>
-    </mc:Choice>
-    <mc:Fallback xmlns="">
-      <p:transition spd="slow">
-        <p:split orient="vert"/>
-      </p:transition>
-    </mc:Fallback>
-  </mc:AlternateContent>
   <p:timing>
     <p:tnLst>
       <p:par>
-        <p:cTn id="1" dur="indefinite" restart="never" nodeType="tmRoot"/>
+        <p:cTn id="1" dur="indefinite" restart="never" nodeType="tmRoot">
+          <p:childTnLst>
+            <p:seq>
+              <p:cTn id="2" nodeType="mainSeq"/>
+              <p:prevCondLst>
+                <p:cond evt="onPrev" delay="0">
+                  <p:tgtEl>
+                    <p:sldTgt/>
+                  </p:tgtEl>
+                </p:cond>
+              </p:prevCondLst>
+              <p:nextCondLst>
+                <p:cond evt="onNext" delay="0">
+                  <p:tgtEl>
+                    <p:sldTgt/>
+                  </p:tgtEl>
+                </p:cond>
+              </p:nextCondLst>
+            </p:seq>
+          </p:childTnLst>
+        </p:cTn>
       </p:par>
     </p:tnLst>
   </p:timing>
